--- a/Docs/Diagram.pptx
+++ b/Docs/Diagram.pptx
@@ -104,6 +104,11 @@
       </a:defRPr>
     </a:lvl9pPr>
   </p:defaultTextStyle>
+  <p:extLst>
+    <p:ext uri="{EFAFB233-063F-42B5-8137-9DF3F51BA10A}">
+      <p15:sldGuideLst xmlns:p15="http://schemas.microsoft.com/office/powerpoint/2012/main"/>
+    </p:ext>
+  </p:extLst>
 </p:presentation>
 </file>
 
@@ -4067,6 +4072,294 @@
           </a:fontRef>
         </p:style>
       </p:cxnSp>
+      <p:sp>
+        <p:nvSpPr>
+          <p:cNvPr id="2" name="TextBox 1">
+            <a:extLst>
+              <a:ext uri="{FF2B5EF4-FFF2-40B4-BE49-F238E27FC236}">
+                <a16:creationId xmlns:a16="http://schemas.microsoft.com/office/drawing/2014/main" id="{2D6E5419-657A-4DF6-A32A-C22ADA4A7F46}"/>
+              </a:ext>
+            </a:extLst>
+          </p:cNvPr>
+          <p:cNvSpPr txBox="1"/>
+          <p:nvPr/>
+        </p:nvSpPr>
+        <p:spPr>
+          <a:xfrm>
+            <a:off x="1654487" y="4486375"/>
+            <a:ext cx="1252266" cy="369332"/>
+          </a:xfrm>
+          <a:prstGeom prst="rect">
+            <a:avLst/>
+          </a:prstGeom>
+          <a:noFill/>
+        </p:spPr>
+        <p:txBody>
+          <a:bodyPr wrap="none" rtlCol="0">
+            <a:spAutoFit/>
+          </a:bodyPr>
+          <a:lstStyle/>
+          <a:p>
+            <a:r>
+              <a:rPr lang="en-US" dirty="0"/>
+              <a:t>RF 433MHz</a:t>
+            </a:r>
+          </a:p>
+        </p:txBody>
+      </p:sp>
+      <p:sp>
+        <p:nvSpPr>
+          <p:cNvPr id="3" name="TextBox 2">
+            <a:extLst>
+              <a:ext uri="{FF2B5EF4-FFF2-40B4-BE49-F238E27FC236}">
+                <a16:creationId xmlns:a16="http://schemas.microsoft.com/office/drawing/2014/main" id="{AA31B20E-176F-4E3C-8E77-F1EC57ABACB9}"/>
+              </a:ext>
+            </a:extLst>
+          </p:cNvPr>
+          <p:cNvSpPr txBox="1"/>
+          <p:nvPr/>
+        </p:nvSpPr>
+        <p:spPr>
+          <a:xfrm>
+            <a:off x="4184725" y="2132273"/>
+            <a:ext cx="1001493" cy="369332"/>
+          </a:xfrm>
+          <a:prstGeom prst="rect">
+            <a:avLst/>
+          </a:prstGeom>
+          <a:noFill/>
+        </p:spPr>
+        <p:txBody>
+          <a:bodyPr wrap="none" rtlCol="0">
+            <a:spAutoFit/>
+          </a:bodyPr>
+          <a:lstStyle/>
+          <a:p>
+            <a:r>
+              <a:rPr lang="en-US" dirty="0"/>
+              <a:t>Ethernet</a:t>
+            </a:r>
+          </a:p>
+        </p:txBody>
+      </p:sp>
+      <p:sp>
+        <p:nvSpPr>
+          <p:cNvPr id="6" name="TextBox 5">
+            <a:extLst>
+              <a:ext uri="{FF2B5EF4-FFF2-40B4-BE49-F238E27FC236}">
+                <a16:creationId xmlns:a16="http://schemas.microsoft.com/office/drawing/2014/main" id="{4038AB7B-8BBE-4DE0-9D61-DE008A314838}"/>
+              </a:ext>
+            </a:extLst>
+          </p:cNvPr>
+          <p:cNvSpPr txBox="1"/>
+          <p:nvPr/>
+        </p:nvSpPr>
+        <p:spPr>
+          <a:xfrm>
+            <a:off x="4714539" y="878544"/>
+            <a:ext cx="671979" cy="369332"/>
+          </a:xfrm>
+          <a:prstGeom prst="rect">
+            <a:avLst/>
+          </a:prstGeom>
+          <a:noFill/>
+        </p:spPr>
+        <p:txBody>
+          <a:bodyPr wrap="none" rtlCol="0">
+            <a:spAutoFit/>
+          </a:bodyPr>
+          <a:lstStyle/>
+          <a:p>
+            <a:r>
+              <a:rPr lang="en-US" dirty="0"/>
+              <a:t>Wi-Fi</a:t>
+            </a:r>
+          </a:p>
+        </p:txBody>
+      </p:sp>
+      <p:sp>
+        <p:nvSpPr>
+          <p:cNvPr id="22" name="TextBox 21">
+            <a:extLst>
+              <a:ext uri="{FF2B5EF4-FFF2-40B4-BE49-F238E27FC236}">
+                <a16:creationId xmlns:a16="http://schemas.microsoft.com/office/drawing/2014/main" id="{FA2DFBB5-46DF-4CA3-B41B-F4F900EDD97C}"/>
+              </a:ext>
+            </a:extLst>
+          </p:cNvPr>
+          <p:cNvSpPr txBox="1"/>
+          <p:nvPr/>
+        </p:nvSpPr>
+        <p:spPr>
+          <a:xfrm>
+            <a:off x="6594439" y="1610522"/>
+            <a:ext cx="1335776" cy="646331"/>
+          </a:xfrm>
+          <a:prstGeom prst="rect">
+            <a:avLst/>
+          </a:prstGeom>
+          <a:noFill/>
+        </p:spPr>
+        <p:txBody>
+          <a:bodyPr wrap="square" rtlCol="0">
+            <a:spAutoFit/>
+          </a:bodyPr>
+          <a:lstStyle/>
+          <a:p>
+            <a:r>
+              <a:rPr lang="en-US" dirty="0" err="1"/>
+              <a:t>Rpi</a:t>
+            </a:r>
+            <a:r>
+              <a:rPr lang="en-US" dirty="0"/>
+              <a:t> Camera connection</a:t>
+            </a:r>
+          </a:p>
+        </p:txBody>
+      </p:sp>
+      <p:sp>
+        <p:nvSpPr>
+          <p:cNvPr id="24" name="TextBox 23">
+            <a:extLst>
+              <a:ext uri="{FF2B5EF4-FFF2-40B4-BE49-F238E27FC236}">
+                <a16:creationId xmlns:a16="http://schemas.microsoft.com/office/drawing/2014/main" id="{76A9CB77-8A97-406D-9BA7-33299F058279}"/>
+              </a:ext>
+            </a:extLst>
+          </p:cNvPr>
+          <p:cNvSpPr txBox="1"/>
+          <p:nvPr/>
+        </p:nvSpPr>
+        <p:spPr>
+          <a:xfrm>
+            <a:off x="3387262" y="1098430"/>
+            <a:ext cx="1335776" cy="369332"/>
+          </a:xfrm>
+          <a:prstGeom prst="rect">
+            <a:avLst/>
+          </a:prstGeom>
+          <a:noFill/>
+        </p:spPr>
+        <p:txBody>
+          <a:bodyPr wrap="square" rtlCol="0">
+            <a:spAutoFit/>
+          </a:bodyPr>
+          <a:lstStyle/>
+          <a:p>
+            <a:r>
+              <a:rPr lang="en-US" dirty="0"/>
+              <a:t>GPIO</a:t>
+            </a:r>
+          </a:p>
+        </p:txBody>
+      </p:sp>
+      <p:cxnSp>
+        <p:nvCxnSpPr>
+          <p:cNvPr id="10" name="Straight Arrow Connector 9">
+            <a:extLst>
+              <a:ext uri="{FF2B5EF4-FFF2-40B4-BE49-F238E27FC236}">
+                <a16:creationId xmlns:a16="http://schemas.microsoft.com/office/drawing/2014/main" id="{7A966569-9ACD-4D08-8D08-EB14933390F4}"/>
+              </a:ext>
+            </a:extLst>
+          </p:cNvPr>
+          <p:cNvCxnSpPr/>
+          <p:nvPr/>
+        </p:nvCxnSpPr>
+        <p:spPr>
+          <a:xfrm flipH="1" flipV="1">
+            <a:off x="1032734" y="516840"/>
+            <a:ext cx="710004" cy="184666"/>
+          </a:xfrm>
+          <a:prstGeom prst="straightConnector1">
+            <a:avLst/>
+          </a:prstGeom>
+          <a:ln>
+            <a:tailEnd type="triangle"/>
+          </a:ln>
+        </p:spPr>
+        <p:style>
+          <a:lnRef idx="1">
+            <a:schemeClr val="accent1"/>
+          </a:lnRef>
+          <a:fillRef idx="0">
+            <a:schemeClr val="accent1"/>
+          </a:fillRef>
+          <a:effectRef idx="0">
+            <a:schemeClr val="accent1"/>
+          </a:effectRef>
+          <a:fontRef idx="minor">
+            <a:schemeClr val="tx1"/>
+          </a:fontRef>
+        </p:style>
+      </p:cxnSp>
+      <p:sp>
+        <p:nvSpPr>
+          <p:cNvPr id="26" name="TextBox 25">
+            <a:extLst>
+              <a:ext uri="{FF2B5EF4-FFF2-40B4-BE49-F238E27FC236}">
+                <a16:creationId xmlns:a16="http://schemas.microsoft.com/office/drawing/2014/main" id="{FBB2F51E-2A18-41F4-A14A-01426A378B79}"/>
+              </a:ext>
+            </a:extLst>
+          </p:cNvPr>
+          <p:cNvSpPr txBox="1"/>
+          <p:nvPr/>
+        </p:nvSpPr>
+        <p:spPr>
+          <a:xfrm>
+            <a:off x="276957" y="237151"/>
+            <a:ext cx="1335776" cy="646331"/>
+          </a:xfrm>
+          <a:prstGeom prst="rect">
+            <a:avLst/>
+          </a:prstGeom>
+          <a:noFill/>
+        </p:spPr>
+        <p:txBody>
+          <a:bodyPr wrap="square" rtlCol="0">
+            <a:spAutoFit/>
+          </a:bodyPr>
+          <a:lstStyle/>
+          <a:p>
+            <a:r>
+              <a:rPr lang="en-US" dirty="0"/>
+              <a:t>Internet / SMS</a:t>
+            </a:r>
+          </a:p>
+        </p:txBody>
+      </p:sp>
+      <p:sp>
+        <p:nvSpPr>
+          <p:cNvPr id="31" name="TextBox 30">
+            <a:extLst>
+              <a:ext uri="{FF2B5EF4-FFF2-40B4-BE49-F238E27FC236}">
+                <a16:creationId xmlns:a16="http://schemas.microsoft.com/office/drawing/2014/main" id="{92B5FDC6-688D-4649-83B2-E9948EE53BCB}"/>
+              </a:ext>
+            </a:extLst>
+          </p:cNvPr>
+          <p:cNvSpPr txBox="1"/>
+          <p:nvPr/>
+        </p:nvSpPr>
+        <p:spPr>
+          <a:xfrm>
+            <a:off x="2835540" y="2965551"/>
+            <a:ext cx="562975" cy="369332"/>
+          </a:xfrm>
+          <a:prstGeom prst="rect">
+            <a:avLst/>
+          </a:prstGeom>
+          <a:noFill/>
+        </p:spPr>
+        <p:txBody>
+          <a:bodyPr wrap="none" rtlCol="0">
+            <a:spAutoFit/>
+          </a:bodyPr>
+          <a:lstStyle/>
+          <a:p>
+            <a:r>
+              <a:rPr lang="en-US" dirty="0"/>
+              <a:t>USB</a:t>
+            </a:r>
+          </a:p>
+        </p:txBody>
+      </p:sp>
     </p:spTree>
     <p:extLst>
       <p:ext uri="{BB962C8B-B14F-4D97-AF65-F5344CB8AC3E}">
